--- a/Aula 06/2023.03.17 Aula 06 – Introdução a Redes Neurais.pptx
+++ b/Aula 06/2023.03.17 Aula 06 – Introdução a Redes Neurais.pptx
@@ -7221,7 +7221,7 @@
             <a:fld id="{4EA5E1ED-E65E-440E-8A4B-5F5DC973F797}" type="datetimeFigureOut">
               <a:rPr lang="pt-BR" smtClean="0"/>
               <a:pPr/>
-              <a:t>13/03/2023</a:t>
+              <a:t>14/03/2023</a:t>
             </a:fld>
             <a:endParaRPr lang="pt-BR"/>
           </a:p>
@@ -10476,7 +10476,7 @@
           <a:p>
             <a:fld id="{1787AD07-0C2A-424C-83EF-FCCF4A0D3BA0}" type="datetime1">
               <a:rPr lang="pt-BR" smtClean="0"/>
-              <a:t>13/03/2023</a:t>
+              <a:t>14/03/2023</a:t>
             </a:fld>
             <a:endParaRPr lang="pt-BR"/>
           </a:p>
@@ -10645,7 +10645,7 @@
           <a:p>
             <a:fld id="{2F92FB66-59C8-46A5-AD82-5DAAFD2DC390}" type="datetime1">
               <a:rPr lang="pt-BR" smtClean="0"/>
-              <a:t>13/03/2023</a:t>
+              <a:t>14/03/2023</a:t>
             </a:fld>
             <a:endParaRPr lang="pt-BR"/>
           </a:p>
@@ -10824,7 +10824,7 @@
           <a:p>
             <a:fld id="{3D5CC8D2-C61E-4471-AD68-1C0D45A8EAFC}" type="datetime1">
               <a:rPr lang="pt-BR" smtClean="0"/>
-              <a:t>13/03/2023</a:t>
+              <a:t>14/03/2023</a:t>
             </a:fld>
             <a:endParaRPr lang="pt-BR"/>
           </a:p>
@@ -10967,7 +10967,7 @@
           <a:p>
             <a:fld id="{C3E38981-C08A-4A29-B885-392FB4EE0709}" type="datetime1">
               <a:rPr lang="pt-BR" smtClean="0"/>
-              <a:t>13/03/2023</a:t>
+              <a:t>14/03/2023</a:t>
             </a:fld>
             <a:endParaRPr lang="en-US" dirty="0"/>
           </a:p>
@@ -11352,7 +11352,7 @@
           <a:p>
             <a:fld id="{2CFE63D7-5B4A-40A4-8FD4-EA63D1010EB7}" type="datetime1">
               <a:rPr lang="pt-BR" smtClean="0"/>
-              <a:t>13/03/2023</a:t>
+              <a:t>14/03/2023</a:t>
             </a:fld>
             <a:endParaRPr lang="en-US" dirty="0"/>
           </a:p>
@@ -11574,7 +11574,7 @@
           <a:p>
             <a:fld id="{A9719147-5557-4D76-A2C3-BF25882771D2}" type="datetime1">
               <a:rPr lang="pt-BR" smtClean="0"/>
-              <a:t>13/03/2023</a:t>
+              <a:t>14/03/2023</a:t>
             </a:fld>
             <a:endParaRPr lang="en-US" dirty="0"/>
           </a:p>
@@ -11887,7 +11887,7 @@
           <a:p>
             <a:fld id="{66250340-7104-44A8-88A9-88532CCE9C1C}" type="datetime1">
               <a:rPr lang="pt-BR" smtClean="0"/>
-              <a:t>13/03/2023</a:t>
+              <a:t>14/03/2023</a:t>
             </a:fld>
             <a:endParaRPr lang="en-US" dirty="0"/>
           </a:p>
@@ -12072,7 +12072,7 @@
           <a:p>
             <a:fld id="{D047EA32-7810-48BE-A9BB-EA3D8AA5AD34}" type="datetime1">
               <a:rPr lang="pt-BR" smtClean="0"/>
-              <a:t>13/03/2023</a:t>
+              <a:t>14/03/2023</a:t>
             </a:fld>
             <a:endParaRPr lang="en-US" dirty="0"/>
           </a:p>
@@ -12220,7 +12220,7 @@
           <a:p>
             <a:fld id="{7C28E9E9-B91F-400E-BE43-87BB4B5C6F4E}" type="datetime1">
               <a:rPr lang="pt-BR" smtClean="0"/>
-              <a:t>13/03/2023</a:t>
+              <a:t>14/03/2023</a:t>
             </a:fld>
             <a:endParaRPr lang="en-US" dirty="0"/>
           </a:p>
@@ -12472,7 +12472,7 @@
           <a:p>
             <a:fld id="{A9E773EA-BFD5-41D4-8CCD-2C9F67DAB481}" type="datetime1">
               <a:rPr lang="pt-BR" smtClean="0"/>
-              <a:t>13/03/2023</a:t>
+              <a:t>14/03/2023</a:t>
             </a:fld>
             <a:endParaRPr lang="pt-BR" dirty="0"/>
           </a:p>
@@ -12674,7 +12674,7 @@
           <a:p>
             <a:fld id="{DAA7C8B6-CF57-4A95-AF6C-A77E6C230ED3}" type="datetime1">
               <a:rPr lang="pt-BR" smtClean="0"/>
-              <a:t>13/03/2023</a:t>
+              <a:t>14/03/2023</a:t>
             </a:fld>
             <a:endParaRPr lang="pt-BR"/>
           </a:p>
@@ -12958,7 +12958,7 @@
           <a:p>
             <a:fld id="{34D50989-24C8-4023-9B0D-A6D249548FD9}" type="datetime1">
               <a:rPr lang="pt-BR" smtClean="0"/>
-              <a:t>13/03/2023</a:t>
+              <a:t>14/03/2023</a:t>
             </a:fld>
             <a:endParaRPr lang="pt-BR"/>
           </a:p>
@@ -13194,7 +13194,7 @@
           <a:p>
             <a:fld id="{8D9BC96A-9776-4585-A439-BC9E2DA226C1}" type="datetime1">
               <a:rPr lang="pt-BR" smtClean="0"/>
-              <a:t>13/03/2023</a:t>
+              <a:t>14/03/2023</a:t>
             </a:fld>
             <a:endParaRPr lang="pt-BR"/>
           </a:p>
@@ -13577,7 +13577,7 @@
           <a:p>
             <a:fld id="{7D12BE36-2922-4567-BD67-201EFA21BF6D}" type="datetime1">
               <a:rPr lang="pt-BR" smtClean="0"/>
-              <a:t>13/03/2023</a:t>
+              <a:t>14/03/2023</a:t>
             </a:fld>
             <a:endParaRPr lang="pt-BR"/>
           </a:p>
@@ -13689,7 +13689,7 @@
           <a:p>
             <a:fld id="{E5B462A9-4B1E-4013-BFB1-FC92225AC2F2}" type="datetime1">
               <a:rPr lang="pt-BR" smtClean="0"/>
-              <a:t>13/03/2023</a:t>
+              <a:t>14/03/2023</a:t>
             </a:fld>
             <a:endParaRPr lang="pt-BR"/>
           </a:p>
@@ -13773,7 +13773,7 @@
           <a:p>
             <a:fld id="{D0E6EC7A-67E7-4978-9BAE-C8F82A40B13B}" type="datetime1">
               <a:rPr lang="pt-BR" smtClean="0"/>
-              <a:t>13/03/2023</a:t>
+              <a:t>14/03/2023</a:t>
             </a:fld>
             <a:endParaRPr lang="pt-BR"/>
           </a:p>
@@ -14055,7 +14055,7 @@
           <a:p>
             <a:fld id="{6E085A4E-80B8-47DD-9D9B-8E1B205CBB30}" type="datetime1">
               <a:rPr lang="pt-BR" smtClean="0"/>
-              <a:t>13/03/2023</a:t>
+              <a:t>14/03/2023</a:t>
             </a:fld>
             <a:endParaRPr lang="pt-BR"/>
           </a:p>
@@ -14314,7 +14314,7 @@
           <a:p>
             <a:fld id="{F4E9A02C-D9AD-4B8C-9B93-B0980E8E86EB}" type="datetime1">
               <a:rPr lang="pt-BR" smtClean="0"/>
-              <a:t>13/03/2023</a:t>
+              <a:t>14/03/2023</a:t>
             </a:fld>
             <a:endParaRPr lang="pt-BR"/>
           </a:p>
@@ -14526,7 +14526,7 @@
           <a:p>
             <a:fld id="{202762D0-3A59-4B14-83BA-8E0FC8A60AB1}" type="datetime1">
               <a:rPr lang="pt-BR" smtClean="0"/>
-              <a:t>13/03/2023</a:t>
+              <a:t>14/03/2023</a:t>
             </a:fld>
             <a:endParaRPr lang="pt-BR"/>
           </a:p>
@@ -46098,7 +46098,7 @@
         <p:spPr>
           <a:xfrm>
             <a:off x="107504" y="5733256"/>
-            <a:ext cx="8692725" cy="461665"/>
+            <a:ext cx="8692725" cy="276999"/>
           </a:xfrm>
           <a:prstGeom prst="rect">
             <a:avLst/>
@@ -46120,17 +46120,6 @@
                 <a:latin typeface="Proxima Nova"/>
               </a:rPr>
               <a:t>This presentation has been designed using images from Flaticon.com</a:t>
-            </a:r>
-          </a:p>
-          <a:p>
-            <a:r>
-              <a:rPr lang="en-US" sz="1200" dirty="0">
-                <a:solidFill>
-                  <a:srgbClr val="5F7D95"/>
-                </a:solidFill>
-                <a:latin typeface="Proxima Nova"/>
-              </a:rPr>
-              <a:t>Images from SpongeBob Square Paints: Nickelodeon (Paramount)</a:t>
             </a:r>
           </a:p>
         </p:txBody>

--- a/Aula 06/2023.03.17 Aula 06 – Introdução a Redes Neurais.pptx
+++ b/Aula 06/2023.03.17 Aula 06 – Introdução a Redes Neurais.pptx
@@ -7221,7 +7221,7 @@
             <a:fld id="{4EA5E1ED-E65E-440E-8A4B-5F5DC973F797}" type="datetimeFigureOut">
               <a:rPr lang="pt-BR" smtClean="0"/>
               <a:pPr/>
-              <a:t>14/03/2023</a:t>
+              <a:t>17/03/2023</a:t>
             </a:fld>
             <a:endParaRPr lang="pt-BR"/>
           </a:p>
@@ -10476,7 +10476,7 @@
           <a:p>
             <a:fld id="{1787AD07-0C2A-424C-83EF-FCCF4A0D3BA0}" type="datetime1">
               <a:rPr lang="pt-BR" smtClean="0"/>
-              <a:t>14/03/2023</a:t>
+              <a:t>17/03/2023</a:t>
             </a:fld>
             <a:endParaRPr lang="pt-BR"/>
           </a:p>
@@ -10645,7 +10645,7 @@
           <a:p>
             <a:fld id="{2F92FB66-59C8-46A5-AD82-5DAAFD2DC390}" type="datetime1">
               <a:rPr lang="pt-BR" smtClean="0"/>
-              <a:t>14/03/2023</a:t>
+              <a:t>17/03/2023</a:t>
             </a:fld>
             <a:endParaRPr lang="pt-BR"/>
           </a:p>
@@ -10824,7 +10824,7 @@
           <a:p>
             <a:fld id="{3D5CC8D2-C61E-4471-AD68-1C0D45A8EAFC}" type="datetime1">
               <a:rPr lang="pt-BR" smtClean="0"/>
-              <a:t>14/03/2023</a:t>
+              <a:t>17/03/2023</a:t>
             </a:fld>
             <a:endParaRPr lang="pt-BR"/>
           </a:p>
@@ -10967,7 +10967,7 @@
           <a:p>
             <a:fld id="{C3E38981-C08A-4A29-B885-392FB4EE0709}" type="datetime1">
               <a:rPr lang="pt-BR" smtClean="0"/>
-              <a:t>14/03/2023</a:t>
+              <a:t>17/03/2023</a:t>
             </a:fld>
             <a:endParaRPr lang="en-US" dirty="0"/>
           </a:p>
@@ -11352,7 +11352,7 @@
           <a:p>
             <a:fld id="{2CFE63D7-5B4A-40A4-8FD4-EA63D1010EB7}" type="datetime1">
               <a:rPr lang="pt-BR" smtClean="0"/>
-              <a:t>14/03/2023</a:t>
+              <a:t>17/03/2023</a:t>
             </a:fld>
             <a:endParaRPr lang="en-US" dirty="0"/>
           </a:p>
@@ -11574,7 +11574,7 @@
           <a:p>
             <a:fld id="{A9719147-5557-4D76-A2C3-BF25882771D2}" type="datetime1">
               <a:rPr lang="pt-BR" smtClean="0"/>
-              <a:t>14/03/2023</a:t>
+              <a:t>17/03/2023</a:t>
             </a:fld>
             <a:endParaRPr lang="en-US" dirty="0"/>
           </a:p>
@@ -11887,7 +11887,7 @@
           <a:p>
             <a:fld id="{66250340-7104-44A8-88A9-88532CCE9C1C}" type="datetime1">
               <a:rPr lang="pt-BR" smtClean="0"/>
-              <a:t>14/03/2023</a:t>
+              <a:t>17/03/2023</a:t>
             </a:fld>
             <a:endParaRPr lang="en-US" dirty="0"/>
           </a:p>
@@ -12072,7 +12072,7 @@
           <a:p>
             <a:fld id="{D047EA32-7810-48BE-A9BB-EA3D8AA5AD34}" type="datetime1">
               <a:rPr lang="pt-BR" smtClean="0"/>
-              <a:t>14/03/2023</a:t>
+              <a:t>17/03/2023</a:t>
             </a:fld>
             <a:endParaRPr lang="en-US" dirty="0"/>
           </a:p>
@@ -12220,7 +12220,7 @@
           <a:p>
             <a:fld id="{7C28E9E9-B91F-400E-BE43-87BB4B5C6F4E}" type="datetime1">
               <a:rPr lang="pt-BR" smtClean="0"/>
-              <a:t>14/03/2023</a:t>
+              <a:t>17/03/2023</a:t>
             </a:fld>
             <a:endParaRPr lang="en-US" dirty="0"/>
           </a:p>
@@ -12472,7 +12472,7 @@
           <a:p>
             <a:fld id="{A9E773EA-BFD5-41D4-8CCD-2C9F67DAB481}" type="datetime1">
               <a:rPr lang="pt-BR" smtClean="0"/>
-              <a:t>14/03/2023</a:t>
+              <a:t>17/03/2023</a:t>
             </a:fld>
             <a:endParaRPr lang="pt-BR" dirty="0"/>
           </a:p>
@@ -12674,7 +12674,7 @@
           <a:p>
             <a:fld id="{DAA7C8B6-CF57-4A95-AF6C-A77E6C230ED3}" type="datetime1">
               <a:rPr lang="pt-BR" smtClean="0"/>
-              <a:t>14/03/2023</a:t>
+              <a:t>17/03/2023</a:t>
             </a:fld>
             <a:endParaRPr lang="pt-BR"/>
           </a:p>
@@ -12958,7 +12958,7 @@
           <a:p>
             <a:fld id="{34D50989-24C8-4023-9B0D-A6D249548FD9}" type="datetime1">
               <a:rPr lang="pt-BR" smtClean="0"/>
-              <a:t>14/03/2023</a:t>
+              <a:t>17/03/2023</a:t>
             </a:fld>
             <a:endParaRPr lang="pt-BR"/>
           </a:p>
@@ -13194,7 +13194,7 @@
           <a:p>
             <a:fld id="{8D9BC96A-9776-4585-A439-BC9E2DA226C1}" type="datetime1">
               <a:rPr lang="pt-BR" smtClean="0"/>
-              <a:t>14/03/2023</a:t>
+              <a:t>17/03/2023</a:t>
             </a:fld>
             <a:endParaRPr lang="pt-BR"/>
           </a:p>
@@ -13577,7 +13577,7 @@
           <a:p>
             <a:fld id="{7D12BE36-2922-4567-BD67-201EFA21BF6D}" type="datetime1">
               <a:rPr lang="pt-BR" smtClean="0"/>
-              <a:t>14/03/2023</a:t>
+              <a:t>17/03/2023</a:t>
             </a:fld>
             <a:endParaRPr lang="pt-BR"/>
           </a:p>
@@ -13689,7 +13689,7 @@
           <a:p>
             <a:fld id="{E5B462A9-4B1E-4013-BFB1-FC92225AC2F2}" type="datetime1">
               <a:rPr lang="pt-BR" smtClean="0"/>
-              <a:t>14/03/2023</a:t>
+              <a:t>17/03/2023</a:t>
             </a:fld>
             <a:endParaRPr lang="pt-BR"/>
           </a:p>
@@ -13773,7 +13773,7 @@
           <a:p>
             <a:fld id="{D0E6EC7A-67E7-4978-9BAE-C8F82A40B13B}" type="datetime1">
               <a:rPr lang="pt-BR" smtClean="0"/>
-              <a:t>14/03/2023</a:t>
+              <a:t>17/03/2023</a:t>
             </a:fld>
             <a:endParaRPr lang="pt-BR"/>
           </a:p>
@@ -14055,7 +14055,7 @@
           <a:p>
             <a:fld id="{6E085A4E-80B8-47DD-9D9B-8E1B205CBB30}" type="datetime1">
               <a:rPr lang="pt-BR" smtClean="0"/>
-              <a:t>14/03/2023</a:t>
+              <a:t>17/03/2023</a:t>
             </a:fld>
             <a:endParaRPr lang="pt-BR"/>
           </a:p>
@@ -14314,7 +14314,7 @@
           <a:p>
             <a:fld id="{F4E9A02C-D9AD-4B8C-9B93-B0980E8E86EB}" type="datetime1">
               <a:rPr lang="pt-BR" smtClean="0"/>
-              <a:t>14/03/2023</a:t>
+              <a:t>17/03/2023</a:t>
             </a:fld>
             <a:endParaRPr lang="pt-BR"/>
           </a:p>
@@ -14526,7 +14526,7 @@
           <a:p>
             <a:fld id="{202762D0-3A59-4B14-83BA-8E0FC8A60AB1}" type="datetime1">
               <a:rPr lang="pt-BR" smtClean="0"/>
-              <a:t>14/03/2023</a:t>
+              <a:t>17/03/2023</a:t>
             </a:fld>
             <a:endParaRPr lang="pt-BR"/>
           </a:p>
@@ -15505,7 +15505,15 @@
             <a:pPr algn="ctr"/>
             <a:r>
               <a:rPr lang="pt-BR" dirty="0"/>
-              <a:t>Entrada de outros neurônicos</a:t>
+              <a:t>(</a:t>
+            </a:r>
+            <a:r>
+              <a:rPr lang="pt-BR" dirty="0" err="1"/>
+              <a:t>Dentritos</a:t>
+            </a:r>
+            <a:r>
+              <a:rPr lang="pt-BR" dirty="0"/>
+              <a:t>) Entradas para outros neurônicos</a:t>
             </a:r>
           </a:p>
         </p:txBody>
@@ -45787,15 +45795,22 @@
           <a:lstStyle/>
           <a:p>
             <a:r>
-              <a:rPr lang="pt-BR" sz="4000" dirty="0">
+              <a:rPr lang="pt-BR" sz="4000">
                 <a:solidFill>
                   <a:srgbClr val="ED145B"/>
                 </a:solidFill>
                 <a:latin typeface="Gotham HTF" pitchFamily="50" charset="0"/>
                 <a:cs typeface="Gotham HTF Light"/>
               </a:rPr>
-              <a:t>Exercício 04 – Para Casa</a:t>
-            </a:r>
+              <a:t>Exercício 04</a:t>
+            </a:r>
+            <a:endParaRPr lang="pt-BR" sz="4000" dirty="0">
+              <a:solidFill>
+                <a:srgbClr val="ED145B"/>
+              </a:solidFill>
+              <a:latin typeface="Gotham HTF" pitchFamily="50" charset="0"/>
+              <a:cs typeface="Gotham HTF Light"/>
+            </a:endParaRPr>
           </a:p>
         </p:txBody>
       </p:sp>
